--- a/doc/魏华祎软件汇报.pptx
+++ b/doc/魏华祎软件汇报.pptx
@@ -8689,7 +8689,7 @@
         </p:nvSpPr>
         <p:spPr>
           <a:xfrm>
-            <a:off x="3295080" y="3439440"/>
+            <a:off x="4584130" y="3390545"/>
             <a:ext cx="912960" cy="275400"/>
           </a:xfrm>
           <a:prstGeom prst="rect">
@@ -8725,7 +8725,7 @@
               </a:lnSpc>
             </a:pPr>
             <a:r>
-              <a:rPr lang="en-US" sz="1800" b="0" strike="noStrike" spc="-1">
+              <a:rPr lang="zh-CN" altLang="en-US" sz="1800" b="0" strike="noStrike" spc="-1">
                 <a:solidFill>
                   <a:srgbClr val="000000"/>
                 </a:solidFill>
@@ -8735,20 +8735,21 @@
                   </a:solidFill>
                 </a:uFill>
                 <a:latin typeface="Arial" panose="020B0604020202020204"/>
-                <a:ea typeface="DejaVu Sans" panose="020B0603030804020204"/>
+                <a:ea typeface="宋体" panose="02010600030101010101" charset="-122"/>
               </a:rPr>
-              <a:t>弱形式</a:t>
+              <a:t>算子组装</a:t>
             </a:r>
-            <a:endParaRPr lang="en-US" sz="1800" b="0" strike="noStrike" spc="-1">
-              <a:solidFill>
-                <a:srgbClr val="000000"/>
-              </a:solidFill>
-              <a:uFill>
-                <a:solidFill>
-                  <a:srgbClr val="FFFFFF"/>
-                </a:solidFill>
-              </a:uFill>
-              <a:latin typeface="Arial" panose="020B0604020202020204"/>
+            <a:endParaRPr lang="zh-CN" altLang="en-US" sz="1800" b="0" strike="noStrike" spc="-1">
+              <a:solidFill>
+                <a:srgbClr val="000000"/>
+              </a:solidFill>
+              <a:uFill>
+                <a:solidFill>
+                  <a:srgbClr val="FFFFFF"/>
+                </a:solidFill>
+              </a:uFill>
+              <a:latin typeface="Arial" panose="020B0604020202020204"/>
+              <a:ea typeface="宋体" panose="02010600030101010101" charset="-122"/>
             </a:endParaRPr>
           </a:p>
         </p:txBody>
@@ -8761,8 +8762,8 @@
         </p:nvSpPr>
         <p:spPr>
           <a:xfrm>
-            <a:off x="4425120" y="3441960"/>
-            <a:ext cx="1152360" cy="272880"/>
+            <a:off x="1186180" y="3789680"/>
+            <a:ext cx="1247775" cy="273050"/>
           </a:xfrm>
           <a:prstGeom prst="rect">
             <a:avLst/>
@@ -8833,7 +8834,7 @@
         </p:nvSpPr>
         <p:spPr>
           <a:xfrm>
-            <a:off x="3293640" y="3765960"/>
+            <a:off x="2581170" y="3789455"/>
             <a:ext cx="912960" cy="272880"/>
           </a:xfrm>
           <a:prstGeom prst="rect">
@@ -8899,20 +8900,20 @@
       </p:sp>
       <p:sp>
         <p:nvSpPr>
-          <p:cNvPr id="131" name="CustomShape 14"/>
+          <p:cNvPr id="133" name="CustomShape 16"/>
           <p:cNvSpPr/>
           <p:nvPr/>
         </p:nvSpPr>
         <p:spPr>
           <a:xfrm>
-            <a:off x="1171080" y="3765960"/>
-            <a:ext cx="912960" cy="272880"/>
+            <a:off x="1097280" y="1784520"/>
+            <a:ext cx="5302440" cy="932400"/>
           </a:xfrm>
           <a:prstGeom prst="rect">
             <a:avLst/>
           </a:prstGeom>
           <a:solidFill>
-            <a:srgbClr val="729FCF"/>
+            <a:srgbClr val="9933FF"/>
           </a:solidFill>
           <a:ln>
             <a:solidFill>
@@ -8932,59 +8933,23 @@
           </a:effectRef>
           <a:fontRef idx="minor"/>
         </p:style>
-        <p:txBody>
-          <a:bodyPr wrap="none" lIns="90000" tIns="45000" rIns="90000" bIns="45000" anchor="ctr"/>
-          <a:p>
-            <a:pPr algn="ctr">
-              <a:lnSpc>
-                <a:spcPct val="100000"/>
-              </a:lnSpc>
-            </a:pPr>
-            <a:r>
-              <a:rPr lang="en-US" sz="1800" b="0" strike="noStrike" spc="-1">
-                <a:solidFill>
-                  <a:srgbClr val="000000"/>
-                </a:solidFill>
-                <a:uFill>
-                  <a:solidFill>
-                    <a:srgbClr val="FFFFFF"/>
-                  </a:solidFill>
-                </a:uFill>
-                <a:latin typeface="Arial" panose="020B0604020202020204"/>
-                <a:ea typeface="DejaVu Sans" panose="020B0603030804020204"/>
-              </a:rPr>
-              <a:t>超收敛</a:t>
-            </a:r>
-            <a:endParaRPr lang="en-US" sz="1800" b="0" strike="noStrike" spc="-1">
-              <a:solidFill>
-                <a:srgbClr val="000000"/>
-              </a:solidFill>
-              <a:uFill>
-                <a:solidFill>
-                  <a:srgbClr val="FFFFFF"/>
-                </a:solidFill>
-              </a:uFill>
-              <a:latin typeface="Arial" panose="020B0604020202020204"/>
-            </a:endParaRPr>
-          </a:p>
-        </p:txBody>
-      </p:sp>
-      <p:sp>
-        <p:nvSpPr>
-          <p:cNvPr id="132" name="CustomShape 15"/>
+      </p:sp>
+      <p:sp>
+        <p:nvSpPr>
+          <p:cNvPr id="134" name="CustomShape 17"/>
           <p:cNvSpPr/>
           <p:nvPr/>
         </p:nvSpPr>
         <p:spPr>
           <a:xfrm>
-            <a:off x="2251080" y="3765960"/>
-            <a:ext cx="912960" cy="272880"/>
+            <a:off x="1186200" y="1895040"/>
+            <a:ext cx="1064520" cy="364320"/>
           </a:xfrm>
           <a:prstGeom prst="rect">
             <a:avLst/>
           </a:prstGeom>
           <a:solidFill>
-            <a:srgbClr val="729FCF"/>
+            <a:srgbClr val="FF6600"/>
           </a:solidFill>
           <a:ln>
             <a:solidFill>
@@ -9025,7 +8990,7 @@
                 <a:latin typeface="Arial" panose="020B0604020202020204"/>
                 <a:ea typeface="DejaVu Sans" panose="020B0603030804020204"/>
               </a:rPr>
-              <a:t>最优化</a:t>
+              <a:t>相场模型</a:t>
             </a:r>
             <a:endParaRPr lang="en-US" sz="1800" b="0" strike="noStrike" spc="-1">
               <a:solidFill>
@@ -9043,20 +9008,20 @@
       </p:sp>
       <p:sp>
         <p:nvSpPr>
-          <p:cNvPr id="133" name="CustomShape 16"/>
+          <p:cNvPr id="135" name="CustomShape 18"/>
           <p:cNvSpPr/>
           <p:nvPr/>
         </p:nvSpPr>
         <p:spPr>
           <a:xfrm>
-            <a:off x="1097280" y="1784520"/>
-            <a:ext cx="5302440" cy="932400"/>
+            <a:off x="2341080" y="1895040"/>
+            <a:ext cx="1153080" cy="364320"/>
           </a:xfrm>
           <a:prstGeom prst="rect">
             <a:avLst/>
           </a:prstGeom>
           <a:solidFill>
-            <a:srgbClr val="9933FF"/>
+            <a:srgbClr val="66FFFF"/>
           </a:solidFill>
           <a:ln>
             <a:solidFill>
@@ -9076,23 +9041,59 @@
           </a:effectRef>
           <a:fontRef idx="minor"/>
         </p:style>
-      </p:sp>
-      <p:sp>
-        <p:nvSpPr>
-          <p:cNvPr id="134" name="CustomShape 17"/>
+        <p:txBody>
+          <a:bodyPr wrap="none" lIns="90000" tIns="45000" rIns="90000" bIns="45000" anchor="ctr"/>
+          <a:p>
+            <a:pPr algn="ctr">
+              <a:lnSpc>
+                <a:spcPct val="100000"/>
+              </a:lnSpc>
+            </a:pPr>
+            <a:r>
+              <a:rPr lang="en-US" sz="1800" b="0" strike="noStrike" spc="-1">
+                <a:solidFill>
+                  <a:srgbClr val="000000"/>
+                </a:solidFill>
+                <a:uFill>
+                  <a:solidFill>
+                    <a:srgbClr val="FFFFFF"/>
+                  </a:solidFill>
+                </a:uFill>
+                <a:latin typeface="Arial" panose="020B0604020202020204"/>
+                <a:ea typeface="DejaVu Sans" panose="020B0603030804020204"/>
+              </a:rPr>
+              <a:t>电磁场</a:t>
+            </a:r>
+            <a:endParaRPr lang="en-US" sz="1800" b="0" strike="noStrike" spc="-1">
+              <a:solidFill>
+                <a:srgbClr val="000000"/>
+              </a:solidFill>
+              <a:uFill>
+                <a:solidFill>
+                  <a:srgbClr val="FFFFFF"/>
+                </a:solidFill>
+              </a:uFill>
+              <a:latin typeface="Arial" panose="020B0604020202020204"/>
+            </a:endParaRPr>
+          </a:p>
+        </p:txBody>
+      </p:sp>
+      <p:sp>
+        <p:nvSpPr>
+          <p:cNvPr id="136" name="CustomShape 19"/>
           <p:cNvSpPr/>
           <p:nvPr/>
         </p:nvSpPr>
         <p:spPr>
           <a:xfrm>
-            <a:off x="1186200" y="1895040"/>
-            <a:ext cx="1064520" cy="364320"/>
+            <a:off x="3566160" y="1895040"/>
+            <a:ext cx="1096560" cy="364320"/>
           </a:xfrm>
           <a:prstGeom prst="rect">
             <a:avLst/>
           </a:prstGeom>
           <a:solidFill>
-            <a:srgbClr val="FF6600"/>
+            <a:srgbClr val="FF3399"/>
           </a:solidFill>
           <a:ln>
             <a:solidFill>
@@ -9133,7 +9134,7 @@
                 <a:latin typeface="Arial" panose="020B0604020202020204"/>
                 <a:ea typeface="DejaVu Sans" panose="020B0603030804020204"/>
               </a:rPr>
-              <a:t>相场模型</a:t>
+              <a:t>移动界面</a:t>
             </a:r>
             <a:endParaRPr lang="en-US" sz="1800" b="0" strike="noStrike" spc="-1">
               <a:solidFill>
@@ -9151,20 +9152,20 @@
       </p:sp>
       <p:sp>
         <p:nvSpPr>
-          <p:cNvPr id="135" name="CustomShape 18"/>
+          <p:cNvPr id="137" name="CustomShape 20"/>
           <p:cNvSpPr/>
           <p:nvPr/>
         </p:nvSpPr>
         <p:spPr>
           <a:xfrm>
-            <a:off x="2341080" y="1895040"/>
-            <a:ext cx="1153080" cy="364320"/>
+            <a:off x="4754880" y="1884240"/>
+            <a:ext cx="1370880" cy="364320"/>
           </a:xfrm>
           <a:prstGeom prst="rect">
             <a:avLst/>
           </a:prstGeom>
           <a:solidFill>
-            <a:srgbClr val="66FFFF"/>
+            <a:srgbClr val="FFCC00"/>
           </a:solidFill>
           <a:ln>
             <a:solidFill>
@@ -9205,7 +9206,7 @@
                 <a:latin typeface="Arial" panose="020B0604020202020204"/>
                 <a:ea typeface="DejaVu Sans" panose="020B0603030804020204"/>
               </a:rPr>
-              <a:t>电磁场</a:t>
+              <a:t>高分子材料</a:t>
             </a:r>
             <a:endParaRPr lang="en-US" sz="1800" b="0" strike="noStrike" spc="-1">
               <a:solidFill>
@@ -9223,20 +9224,20 @@
       </p:sp>
       <p:sp>
         <p:nvSpPr>
-          <p:cNvPr id="136" name="CustomShape 19"/>
+          <p:cNvPr id="138" name="CustomShape 21"/>
           <p:cNvSpPr/>
           <p:nvPr/>
         </p:nvSpPr>
         <p:spPr>
           <a:xfrm>
-            <a:off x="3566160" y="1895040"/>
-            <a:ext cx="1096560" cy="364320"/>
+            <a:off x="3307700" y="3392690"/>
+            <a:ext cx="912960" cy="272880"/>
           </a:xfrm>
           <a:prstGeom prst="rect">
             <a:avLst/>
           </a:prstGeom>
           <a:solidFill>
-            <a:srgbClr val="FF3399"/>
+            <a:srgbClr val="729FCF"/>
           </a:solidFill>
           <a:ln>
             <a:solidFill>
@@ -9277,7 +9278,7 @@
                 <a:latin typeface="Arial" panose="020B0604020202020204"/>
                 <a:ea typeface="DejaVu Sans" panose="020B0603030804020204"/>
               </a:rPr>
-              <a:t>移动界面</a:t>
+              <a:t>函数空间</a:t>
             </a:r>
             <a:endParaRPr lang="en-US" sz="1800" b="0" strike="noStrike" spc="-1">
               <a:solidFill>
@@ -9295,20 +9296,20 @@
       </p:sp>
       <p:sp>
         <p:nvSpPr>
-          <p:cNvPr id="137" name="CustomShape 20"/>
+          <p:cNvPr id="139" name="CustomShape 22"/>
           <p:cNvSpPr/>
           <p:nvPr/>
         </p:nvSpPr>
         <p:spPr>
           <a:xfrm>
-            <a:off x="4754880" y="1884240"/>
-            <a:ext cx="1370880" cy="364320"/>
+            <a:off x="1185890" y="3385705"/>
+            <a:ext cx="912960" cy="272880"/>
           </a:xfrm>
           <a:prstGeom prst="rect">
             <a:avLst/>
           </a:prstGeom>
           <a:solidFill>
-            <a:srgbClr val="FFCC00"/>
+            <a:srgbClr val="729FCF"/>
           </a:solidFill>
           <a:ln>
             <a:solidFill>
@@ -9349,162 +9350,19 @@
                 <a:latin typeface="Arial" panose="020B0604020202020204"/>
                 <a:ea typeface="DejaVu Sans" panose="020B0603030804020204"/>
               </a:rPr>
-              <a:t>高分子材料</a:t>
-            </a:r>
-            <a:endParaRPr lang="en-US" sz="1800" b="0" strike="noStrike" spc="-1">
-              <a:solidFill>
-                <a:srgbClr val="000000"/>
-              </a:solidFill>
-              <a:uFill>
-                <a:solidFill>
-                  <a:srgbClr val="FFFFFF"/>
-                </a:solidFill>
-              </a:uFill>
-              <a:latin typeface="Arial" panose="020B0604020202020204"/>
-            </a:endParaRPr>
-          </a:p>
-        </p:txBody>
-      </p:sp>
-      <p:sp>
-        <p:nvSpPr>
-          <p:cNvPr id="138" name="CustomShape 21"/>
-          <p:cNvSpPr/>
-          <p:nvPr/>
-        </p:nvSpPr>
-        <p:spPr>
-          <a:xfrm>
-            <a:off x="2253600" y="3454920"/>
-            <a:ext cx="912960" cy="272880"/>
-          </a:xfrm>
-          <a:prstGeom prst="rect">
-            <a:avLst/>
-          </a:prstGeom>
-          <a:solidFill>
-            <a:srgbClr val="729FCF"/>
-          </a:solidFill>
-          <a:ln>
-            <a:solidFill>
-              <a:srgbClr val="3465A4"/>
-            </a:solidFill>
-          </a:ln>
-        </p:spPr>
-        <p:style>
-          <a:lnRef idx="0">
-            <a:srgbClr val="FFFFFF"/>
-          </a:lnRef>
-          <a:fillRef idx="0">
-            <a:srgbClr val="FFFFFF"/>
-          </a:fillRef>
-          <a:effectRef idx="0">
-            <a:srgbClr val="FFFFFF"/>
-          </a:effectRef>
-          <a:fontRef idx="minor"/>
-        </p:style>
-        <p:txBody>
-          <a:bodyPr wrap="none" lIns="90000" tIns="45000" rIns="90000" bIns="45000" anchor="ctr"/>
-          <a:p>
-            <a:pPr algn="ctr">
-              <a:lnSpc>
-                <a:spcPct val="100000"/>
-              </a:lnSpc>
-            </a:pPr>
-            <a:r>
-              <a:rPr lang="en-US" sz="1800" b="0" strike="noStrike" spc="-1">
-                <a:solidFill>
-                  <a:srgbClr val="000000"/>
-                </a:solidFill>
-                <a:uFill>
-                  <a:solidFill>
-                    <a:srgbClr val="FFFFFF"/>
-                  </a:solidFill>
-                </a:uFill>
-                <a:latin typeface="Arial" panose="020B0604020202020204"/>
-                <a:ea typeface="DejaVu Sans" panose="020B0603030804020204"/>
-              </a:rPr>
-              <a:t>函数空间</a:t>
-            </a:r>
-            <a:endParaRPr lang="en-US" sz="1800" b="0" strike="noStrike" spc="-1">
-              <a:solidFill>
-                <a:srgbClr val="000000"/>
-              </a:solidFill>
-              <a:uFill>
-                <a:solidFill>
-                  <a:srgbClr val="FFFFFF"/>
-                </a:solidFill>
-              </a:uFill>
-              <a:latin typeface="Arial" panose="020B0604020202020204"/>
-            </a:endParaRPr>
-          </a:p>
-        </p:txBody>
-      </p:sp>
-      <p:sp>
-        <p:nvSpPr>
-          <p:cNvPr id="139" name="CustomShape 22"/>
-          <p:cNvSpPr/>
-          <p:nvPr/>
-        </p:nvSpPr>
-        <p:spPr>
-          <a:xfrm>
-            <a:off x="1156680" y="3454920"/>
-            <a:ext cx="912960" cy="272880"/>
-          </a:xfrm>
-          <a:prstGeom prst="rect">
-            <a:avLst/>
-          </a:prstGeom>
-          <a:solidFill>
-            <a:srgbClr val="729FCF"/>
-          </a:solidFill>
-          <a:ln>
-            <a:solidFill>
-              <a:srgbClr val="3465A4"/>
-            </a:solidFill>
-          </a:ln>
-        </p:spPr>
-        <p:style>
-          <a:lnRef idx="0">
-            <a:srgbClr val="FFFFFF"/>
-          </a:lnRef>
-          <a:fillRef idx="0">
-            <a:srgbClr val="FFFFFF"/>
-          </a:fillRef>
-          <a:effectRef idx="0">
-            <a:srgbClr val="FFFFFF"/>
-          </a:effectRef>
-          <a:fontRef idx="minor"/>
-        </p:style>
-        <p:txBody>
-          <a:bodyPr wrap="none" lIns="90000" tIns="45000" rIns="90000" bIns="45000" anchor="ctr"/>
-          <a:p>
-            <a:pPr algn="ctr">
-              <a:lnSpc>
-                <a:spcPct val="100000"/>
-              </a:lnSpc>
-            </a:pPr>
-            <a:r>
-              <a:rPr lang="en-US" sz="1800" b="0" strike="noStrike" spc="-1">
-                <a:solidFill>
-                  <a:srgbClr val="000000"/>
-                </a:solidFill>
-                <a:uFill>
-                  <a:solidFill>
-                    <a:srgbClr val="FFFFFF"/>
-                  </a:solidFill>
-                </a:uFill>
-                <a:latin typeface="Arial" panose="020B0604020202020204"/>
-                <a:ea typeface="DejaVu Sans" panose="020B0603030804020204"/>
-              </a:rPr>
               <a:t>网格</a:t>
             </a:r>
-            <a:endParaRPr lang="en-US" sz="1800" b="0" strike="noStrike" spc="-1">
-              <a:solidFill>
-                <a:srgbClr val="000000"/>
-              </a:solidFill>
-              <a:uFill>
-                <a:solidFill>
-                  <a:srgbClr val="FFFFFF"/>
-                </a:solidFill>
-              </a:uFill>
-              <a:latin typeface="Arial" panose="020B0604020202020204"/>
+            <a:endParaRPr lang="zh-CN" altLang="en-US" sz="1800" b="0" strike="noStrike" spc="-1">
+              <a:solidFill>
+                <a:srgbClr val="000000"/>
+              </a:solidFill>
+              <a:uFill>
+                <a:solidFill>
+                  <a:srgbClr val="FFFFFF"/>
+                </a:solidFill>
+              </a:uFill>
+              <a:latin typeface="Arial" panose="020B0604020202020204"/>
+              <a:ea typeface="宋体" panose="02010600030101010101" charset="-122"/>
             </a:endParaRPr>
           </a:p>
         </p:txBody>
@@ -9841,8 +9699,8 @@
         </p:nvSpPr>
         <p:spPr>
           <a:xfrm>
-            <a:off x="4408560" y="3768480"/>
-            <a:ext cx="1168920" cy="273240"/>
+            <a:off x="3850640" y="3789680"/>
+            <a:ext cx="1247775" cy="273050"/>
           </a:xfrm>
           <a:prstGeom prst="rect">
             <a:avLst/>
@@ -9913,8 +9771,8 @@
         </p:nvSpPr>
         <p:spPr>
           <a:xfrm>
-            <a:off x="5670000" y="3438720"/>
-            <a:ext cx="639000" cy="273240"/>
+            <a:off x="2287905" y="3390265"/>
+            <a:ext cx="806450" cy="273050"/>
           </a:xfrm>
           <a:prstGeom prst="rect">
             <a:avLst/>
@@ -10157,7 +10015,7 @@
         </p:nvSpPr>
         <p:spPr>
           <a:xfrm>
-            <a:off x="5654880" y="3749760"/>
+            <a:off x="5672025" y="3585930"/>
             <a:ext cx="639000" cy="273240"/>
           </a:xfrm>
           <a:prstGeom prst="rect">
@@ -10385,12 +10243,12 @@
           </a:bodyPr>
           <a:p>
             <a:r>
-              <a:rPr lang="zh-CN" altLang="">
+              <a:rPr lang="zh-CN" altLang="en-US">
                 <a:ea typeface="宋体" panose="02010600030101010101" charset="-122"/>
               </a:rPr>
               <a:t>操作系统</a:t>
             </a:r>
-            <a:endParaRPr lang="zh-CN" altLang="">
+            <a:endParaRPr lang="zh-CN" altLang="en-US">
               <a:ea typeface="宋体" panose="02010600030101010101" charset="-122"/>
             </a:endParaRPr>
           </a:p>
@@ -11441,10 +11299,10 @@
           </a:bodyPr>
           <a:p>
             <a:r>
-              <a:rPr lang="" altLang="en-US"/>
+              <a:rPr lang="en-US" altLang="en-US"/>
               <a:t>...</a:t>
             </a:r>
-            <a:endParaRPr lang="" altLang="en-US"/>
+            <a:endParaRPr lang="en-US" altLang="en-US"/>
           </a:p>
         </p:txBody>
       </p:sp>
